--- a/report/Slide.pptx
+++ b/report/Slide.pptx
@@ -5,7 +5,7 @@
     <p:sldMasterId id="2147483648" r:id="rId1"/>
   </p:sldMasterIdLst>
   <p:notesMasterIdLst>
-    <p:notesMasterId r:id="rId25"/>
+    <p:notesMasterId r:id="rId26"/>
   </p:notesMasterIdLst>
   <p:sldIdLst>
     <p:sldId id="259" r:id="rId2"/>
@@ -30,7 +30,8 @@
     <p:sldId id="280" r:id="rId21"/>
     <p:sldId id="281" r:id="rId22"/>
     <p:sldId id="282" r:id="rId23"/>
-    <p:sldId id="283" r:id="rId24"/>
+    <p:sldId id="284" r:id="rId24"/>
+    <p:sldId id="283" r:id="rId25"/>
   </p:sldIdLst>
   <p:sldSz cx="9144000" cy="6858000" type="screen4x3"/>
   <p:notesSz cx="6858000" cy="9144000"/>
@@ -269,7 +270,7 @@
               <a:pPr>
                 <a:defRPr/>
               </a:pPr>
-              <a:t>17/12/2016</a:t>
+              <a:t>22/12/2016</a:t>
             </a:fld>
             <a:endParaRPr lang="vi-VN"/>
           </a:p>
@@ -629,13 +630,11 @@
             </a:r>
             <a:r>
               <a:rPr lang="en-US" baseline="0" dirty="0"/>
-              <a:t> – Optical Character Recognition</a:t>
-            </a:r>
-          </a:p>
-          <a:p>
+              <a:t> – Optical Character Recognition </a:t>
+            </a:r>
             <a:r>
               <a:rPr lang="en-US" baseline="0" dirty="0" err="1"/>
-              <a:t>Nhận</a:t>
+              <a:t>nhận</a:t>
             </a:r>
             <a:r>
               <a:rPr lang="en-US" baseline="0" dirty="0"/>
@@ -651,7 +650,7 @@
             </a:r>
             <a:r>
               <a:rPr lang="en-US" baseline="0" dirty="0" err="1"/>
-              <a:t>chính</a:t>
+              <a:t>ký</a:t>
             </a:r>
             <a:r>
               <a:rPr lang="en-US" baseline="0" dirty="0"/>
@@ -659,13 +658,262 @@
             </a:r>
             <a:r>
               <a:rPr lang="en-US" baseline="0" dirty="0" err="1"/>
-              <a:t>xác</a:t>
+              <a:t>tự</a:t>
             </a:r>
             <a:r>
               <a:rPr lang="en-US" baseline="0" dirty="0"/>
               <a:t> </a:t>
             </a:r>
-            <a:endParaRPr lang="en-US" dirty="0"/>
+            <a:r>
+              <a:rPr lang="en-US" baseline="0" dirty="0" err="1"/>
+              <a:t>quang</a:t>
+            </a:r>
+            <a:r>
+              <a:rPr lang="en-US" baseline="0" dirty="0"/>
+              <a:t> </a:t>
+            </a:r>
+            <a:r>
+              <a:rPr lang="en-US" baseline="0" dirty="0" err="1"/>
+              <a:t>học</a:t>
+            </a:r>
+            <a:endParaRPr lang="en-US" baseline="0" dirty="0"/>
+          </a:p>
+          <a:p>
+            <a:r>
+              <a:rPr lang="en-US" baseline="0" dirty="0" err="1"/>
+              <a:t>Trích</a:t>
+            </a:r>
+            <a:r>
+              <a:rPr lang="en-US" baseline="0" dirty="0"/>
+              <a:t> </a:t>
+            </a:r>
+            <a:r>
+              <a:rPr lang="en-US" baseline="0" dirty="0" err="1"/>
+              <a:t>xuất</a:t>
+            </a:r>
+            <a:r>
+              <a:rPr lang="en-US" baseline="0" dirty="0"/>
+              <a:t> </a:t>
+            </a:r>
+            <a:r>
+              <a:rPr lang="en-US" baseline="0" dirty="0" err="1"/>
+              <a:t>văn</a:t>
+            </a:r>
+            <a:r>
+              <a:rPr lang="en-US" baseline="0" dirty="0"/>
+              <a:t> </a:t>
+            </a:r>
+            <a:r>
+              <a:rPr lang="en-US" baseline="0" dirty="0" err="1"/>
+              <a:t>bản</a:t>
+            </a:r>
+            <a:r>
+              <a:rPr lang="en-US" baseline="0" dirty="0"/>
+              <a:t>: </a:t>
+            </a:r>
+            <a:r>
+              <a:rPr lang="en-US" baseline="0" dirty="0" err="1"/>
+              <a:t>phục</a:t>
+            </a:r>
+            <a:r>
+              <a:rPr lang="en-US" baseline="0" dirty="0"/>
+              <a:t> </a:t>
+            </a:r>
+            <a:r>
+              <a:rPr lang="en-US" baseline="0" dirty="0" err="1"/>
+              <a:t>vụ</a:t>
+            </a:r>
+            <a:r>
+              <a:rPr lang="en-US" baseline="0" dirty="0"/>
+              <a:t> </a:t>
+            </a:r>
+            <a:r>
+              <a:rPr lang="en-US" baseline="0" dirty="0" err="1"/>
+              <a:t>cho</a:t>
+            </a:r>
+            <a:r>
+              <a:rPr lang="en-US" baseline="0" dirty="0"/>
+              <a:t> </a:t>
+            </a:r>
+            <a:r>
+              <a:rPr lang="en-US" baseline="0" dirty="0" err="1"/>
+              <a:t>việc</a:t>
+            </a:r>
+            <a:r>
+              <a:rPr lang="en-US" baseline="0" dirty="0"/>
+              <a:t> </a:t>
+            </a:r>
+            <a:r>
+              <a:rPr lang="en-US" baseline="0" dirty="0" err="1"/>
+              <a:t>chuyển</a:t>
+            </a:r>
+            <a:r>
+              <a:rPr lang="en-US" baseline="0" dirty="0"/>
+              <a:t> </a:t>
+            </a:r>
+            <a:r>
+              <a:rPr lang="en-US" baseline="0" dirty="0" err="1"/>
+              <a:t>tài</a:t>
+            </a:r>
+            <a:r>
+              <a:rPr lang="en-US" baseline="0" dirty="0"/>
+              <a:t> </a:t>
+            </a:r>
+            <a:r>
+              <a:rPr lang="en-US" baseline="0" dirty="0" err="1"/>
+              <a:t>liệu</a:t>
+            </a:r>
+            <a:r>
+              <a:rPr lang="en-US" baseline="0" dirty="0"/>
+              <a:t> </a:t>
+            </a:r>
+            <a:r>
+              <a:rPr lang="en-US" baseline="0" dirty="0" err="1"/>
+              <a:t>hình</a:t>
+            </a:r>
+            <a:r>
+              <a:rPr lang="en-US" baseline="0" dirty="0"/>
+              <a:t> </a:t>
+            </a:r>
+            <a:r>
+              <a:rPr lang="en-US" baseline="0" dirty="0" err="1"/>
+              <a:t>ảnh</a:t>
+            </a:r>
+            <a:r>
+              <a:rPr lang="en-US" baseline="0" dirty="0"/>
+              <a:t> </a:t>
+            </a:r>
+            <a:r>
+              <a:rPr lang="en-US" baseline="0" dirty="0">
+                <a:sym typeface="Wingdings" panose="05000000000000000000" pitchFamily="2" charset="2"/>
+              </a:rPr>
+              <a:t> </a:t>
+            </a:r>
+            <a:r>
+              <a:rPr lang="en-US" baseline="0" dirty="0" err="1">
+                <a:sym typeface="Wingdings" panose="05000000000000000000" pitchFamily="2" charset="2"/>
+              </a:rPr>
+              <a:t>tài</a:t>
+            </a:r>
+            <a:r>
+              <a:rPr lang="en-US" baseline="0" dirty="0">
+                <a:sym typeface="Wingdings" panose="05000000000000000000" pitchFamily="2" charset="2"/>
+              </a:rPr>
+              <a:t> </a:t>
+            </a:r>
+            <a:r>
+              <a:rPr lang="en-US" baseline="0" dirty="0" err="1">
+                <a:sym typeface="Wingdings" panose="05000000000000000000" pitchFamily="2" charset="2"/>
+              </a:rPr>
+              <a:t>liệu</a:t>
+            </a:r>
+            <a:r>
+              <a:rPr lang="en-US" baseline="0" dirty="0">
+                <a:sym typeface="Wingdings" panose="05000000000000000000" pitchFamily="2" charset="2"/>
+              </a:rPr>
+              <a:t> </a:t>
+            </a:r>
+            <a:r>
+              <a:rPr lang="en-US" baseline="0" dirty="0" err="1">
+                <a:sym typeface="Wingdings" panose="05000000000000000000" pitchFamily="2" charset="2"/>
+              </a:rPr>
+              <a:t>văn</a:t>
+            </a:r>
+            <a:r>
+              <a:rPr lang="en-US" baseline="0" dirty="0">
+                <a:sym typeface="Wingdings" panose="05000000000000000000" pitchFamily="2" charset="2"/>
+              </a:rPr>
+              <a:t> </a:t>
+            </a:r>
+            <a:r>
+              <a:rPr lang="en-US" baseline="0" dirty="0" err="1">
+                <a:sym typeface="Wingdings" panose="05000000000000000000" pitchFamily="2" charset="2"/>
+              </a:rPr>
+              <a:t>bản</a:t>
+            </a:r>
+            <a:r>
+              <a:rPr lang="en-US" baseline="0" dirty="0">
+                <a:sym typeface="Wingdings" panose="05000000000000000000" pitchFamily="2" charset="2"/>
+              </a:rPr>
+              <a:t>, </a:t>
+            </a:r>
+            <a:r>
+              <a:rPr lang="en-US" baseline="0" dirty="0" err="1">
+                <a:sym typeface="Wingdings" panose="05000000000000000000" pitchFamily="2" charset="2"/>
+              </a:rPr>
+              <a:t>dịch</a:t>
+            </a:r>
+            <a:r>
+              <a:rPr lang="en-US" baseline="0" dirty="0">
+                <a:sym typeface="Wingdings" panose="05000000000000000000" pitchFamily="2" charset="2"/>
+              </a:rPr>
+              <a:t> </a:t>
+            </a:r>
+            <a:r>
+              <a:rPr lang="en-US" baseline="0" dirty="0" err="1">
+                <a:sym typeface="Wingdings" panose="05000000000000000000" pitchFamily="2" charset="2"/>
+              </a:rPr>
+              <a:t>văn</a:t>
+            </a:r>
+            <a:r>
+              <a:rPr lang="en-US" baseline="0" dirty="0">
+                <a:sym typeface="Wingdings" panose="05000000000000000000" pitchFamily="2" charset="2"/>
+              </a:rPr>
+              <a:t> </a:t>
+            </a:r>
+            <a:r>
+              <a:rPr lang="en-US" baseline="0" dirty="0" err="1">
+                <a:sym typeface="Wingdings" panose="05000000000000000000" pitchFamily="2" charset="2"/>
+              </a:rPr>
+              <a:t>bản</a:t>
+            </a:r>
+            <a:r>
+              <a:rPr lang="en-US" baseline="0" dirty="0">
+                <a:sym typeface="Wingdings" panose="05000000000000000000" pitchFamily="2" charset="2"/>
+              </a:rPr>
+              <a:t> sang </a:t>
+            </a:r>
+            <a:r>
+              <a:rPr lang="en-US" baseline="0" dirty="0" err="1">
+                <a:sym typeface="Wingdings" panose="05000000000000000000" pitchFamily="2" charset="2"/>
+              </a:rPr>
+              <a:t>ngôn</a:t>
+            </a:r>
+            <a:r>
+              <a:rPr lang="en-US" baseline="0" dirty="0">
+                <a:sym typeface="Wingdings" panose="05000000000000000000" pitchFamily="2" charset="2"/>
+              </a:rPr>
+              <a:t> </a:t>
+            </a:r>
+            <a:r>
+              <a:rPr lang="en-US" baseline="0" dirty="0" err="1">
+                <a:sym typeface="Wingdings" panose="05000000000000000000" pitchFamily="2" charset="2"/>
+              </a:rPr>
+              <a:t>ngữ</a:t>
+            </a:r>
+            <a:r>
+              <a:rPr lang="en-US" baseline="0" dirty="0">
+                <a:sym typeface="Wingdings" panose="05000000000000000000" pitchFamily="2" charset="2"/>
+              </a:rPr>
+              <a:t> </a:t>
+            </a:r>
+            <a:r>
+              <a:rPr lang="en-US" baseline="0" dirty="0" err="1">
+                <a:sym typeface="Wingdings" panose="05000000000000000000" pitchFamily="2" charset="2"/>
+              </a:rPr>
+              <a:t>khác</a:t>
+            </a:r>
+            <a:r>
+              <a:rPr lang="en-US" baseline="0" dirty="0">
+                <a:sym typeface="Wingdings" panose="05000000000000000000" pitchFamily="2" charset="2"/>
+              </a:rPr>
+              <a:t>.</a:t>
+            </a:r>
+          </a:p>
+          <a:p>
+            <a:endParaRPr lang="en-US" baseline="0" dirty="0">
+              <a:sym typeface="Wingdings" panose="05000000000000000000" pitchFamily="2" charset="2"/>
+            </a:endParaRPr>
           </a:p>
         </p:txBody>
       </p:sp>
@@ -1243,7 +1491,7 @@
             </a:r>
             <a:r>
               <a:rPr lang="en-US" baseline="0" dirty="0"/>
-              <a:t> nay</a:t>
+              <a:t> nay.</a:t>
             </a:r>
           </a:p>
           <a:p>
@@ -2511,7 +2759,7 @@
               <a:rPr lang="en-US" baseline="0" dirty="0">
                 <a:sym typeface="Wingdings" panose="05000000000000000000" pitchFamily="2" charset="2"/>
               </a:rPr>
-              <a:t>Tesseract </a:t>
+              <a:t>Tesseract OCR </a:t>
             </a:r>
             <a:r>
               <a:rPr lang="en-US" baseline="0" dirty="0" err="1">
@@ -2968,6 +3216,48 @@
                 <a:sym typeface="Wingdings" panose="05000000000000000000" pitchFamily="2" charset="2"/>
               </a:rPr>
               <a:t>.</a:t>
+            </a:r>
+          </a:p>
+          <a:p>
+            <a:r>
+              <a:rPr lang="en-US" baseline="0" dirty="0" err="1">
+                <a:sym typeface="Wingdings" panose="05000000000000000000" pitchFamily="2" charset="2"/>
+              </a:rPr>
+              <a:t>VietOCR</a:t>
+            </a:r>
+            <a:endParaRPr lang="en-US" baseline="0" dirty="0">
+              <a:sym typeface="Wingdings" panose="05000000000000000000" pitchFamily="2" charset="2"/>
+            </a:endParaRPr>
+          </a:p>
+          <a:p>
+            <a:r>
+              <a:rPr lang="en-US" baseline="0" dirty="0" err="1">
+                <a:sym typeface="Wingdings" panose="05000000000000000000" pitchFamily="2" charset="2"/>
+              </a:rPr>
+              <a:t>Gttext</a:t>
+            </a:r>
+            <a:endParaRPr lang="en-US" baseline="0" dirty="0">
+              <a:sym typeface="Wingdings" panose="05000000000000000000" pitchFamily="2" charset="2"/>
+            </a:endParaRPr>
+          </a:p>
+          <a:p>
+            <a:r>
+              <a:rPr lang="en-US" baseline="0" dirty="0">
+                <a:sym typeface="Wingdings" panose="05000000000000000000" pitchFamily="2" charset="2"/>
+              </a:rPr>
+              <a:t>Website online: </a:t>
+            </a:r>
+            <a:r>
+              <a:rPr lang="en-US" baseline="0" dirty="0" err="1">
+                <a:sym typeface="Wingdings" panose="05000000000000000000" pitchFamily="2" charset="2"/>
+              </a:rPr>
+              <a:t>FreeOnline</a:t>
+            </a:r>
+            <a:r>
+              <a:rPr lang="en-US" baseline="0" dirty="0">
+                <a:sym typeface="Wingdings" panose="05000000000000000000" pitchFamily="2" charset="2"/>
+              </a:rPr>
+              <a:t> OCR, Online OCR.com</a:t>
             </a:r>
             <a:endParaRPr lang="en-US" dirty="0"/>
           </a:p>
@@ -3508,7 +3798,7 @@
             </a:pPr>
             <a:fld id="{E47B1D05-7902-4989-AC0D-541C4569172D}" type="datetime1">
               <a:rPr lang="en-US" smtClean="0"/>
-              <a:t>12/17/2016</a:t>
+              <a:t>22-Dec-16</a:t>
             </a:fld>
             <a:endParaRPr lang="en-US"/>
           </a:p>
@@ -3537,10 +3827,9 @@
               <a:defRPr/>
             </a:pPr>
             <a:r>
-              <a:rPr lang="en-US" smtClean="0"/>
+              <a:rPr lang="en-US"/>
               <a:t>Footer</a:t>
             </a:r>
-            <a:endParaRPr lang="en-US"/>
           </a:p>
         </p:txBody>
       </p:sp>
@@ -3714,7 +4003,7 @@
             </a:pPr>
             <a:fld id="{02EA094D-BB3E-4E79-AF47-09DF046C730E}" type="datetime1">
               <a:rPr lang="en-US" smtClean="0"/>
-              <a:t>12/17/2016</a:t>
+              <a:t>22-Dec-16</a:t>
             </a:fld>
             <a:endParaRPr lang="en-US"/>
           </a:p>
@@ -3743,10 +4032,9 @@
               <a:defRPr/>
             </a:pPr>
             <a:r>
-              <a:rPr lang="en-US" smtClean="0"/>
+              <a:rPr lang="en-US"/>
               <a:t>Footer</a:t>
             </a:r>
-            <a:endParaRPr lang="en-US"/>
           </a:p>
         </p:txBody>
       </p:sp>
@@ -3962,7 +4250,7 @@
             </a:pPr>
             <a:fld id="{5A5B060D-1850-4ADD-8885-0A9817CCCCC7}" type="datetime1">
               <a:rPr lang="en-US" smtClean="0"/>
-              <a:t>12/17/2016</a:t>
+              <a:t>22-Dec-16</a:t>
             </a:fld>
             <a:endParaRPr lang="en-US"/>
           </a:p>
@@ -4256,7 +4544,7 @@
             </a:pPr>
             <a:fld id="{D31AF7E5-2AC3-4596-ACB0-807AA88551A0}" type="datetime1">
               <a:rPr lang="en-US" smtClean="0"/>
-              <a:t>12/17/2016</a:t>
+              <a:t>22-Dec-16</a:t>
             </a:fld>
             <a:endParaRPr lang="en-US"/>
           </a:p>
@@ -4285,10 +4573,9 @@
               <a:defRPr/>
             </a:pPr>
             <a:r>
-              <a:rPr lang="en-US" smtClean="0"/>
+              <a:rPr lang="en-US"/>
               <a:t>Footer</a:t>
             </a:r>
-            <a:endParaRPr lang="en-US"/>
           </a:p>
         </p:txBody>
       </p:sp>
@@ -4569,7 +4856,7 @@
             </a:pPr>
             <a:fld id="{E5782F7F-5359-4E7A-A0CA-BC665B2322BA}" type="datetime1">
               <a:rPr lang="en-US" smtClean="0"/>
-              <a:t>12/17/2016</a:t>
+              <a:t>22-Dec-16</a:t>
             </a:fld>
             <a:endParaRPr lang="en-US"/>
           </a:p>
@@ -4598,10 +4885,9 @@
               <a:defRPr/>
             </a:pPr>
             <a:r>
-              <a:rPr lang="en-US" smtClean="0"/>
+              <a:rPr lang="en-US"/>
               <a:t>Footer</a:t>
             </a:r>
-            <a:endParaRPr lang="en-US"/>
           </a:p>
         </p:txBody>
       </p:sp>
@@ -5016,7 +5302,7 @@
             </a:pPr>
             <a:fld id="{593E6C9B-9318-4F92-A630-6AFCD0A0DC2E}" type="datetime1">
               <a:rPr lang="en-US" smtClean="0"/>
-              <a:t>12/17/2016</a:t>
+              <a:t>22-Dec-16</a:t>
             </a:fld>
             <a:endParaRPr lang="en-US"/>
           </a:p>
@@ -5045,10 +5331,9 @@
               <a:defRPr/>
             </a:pPr>
             <a:r>
-              <a:rPr lang="en-US" smtClean="0"/>
+              <a:rPr lang="en-US"/>
               <a:t>Footer</a:t>
             </a:r>
-            <a:endParaRPr lang="en-US"/>
           </a:p>
         </p:txBody>
       </p:sp>
@@ -5161,7 +5446,7 @@
             </a:pPr>
             <a:fld id="{1627AFC7-80C1-411C-8AF2-103EE9F88CBA}" type="datetime1">
               <a:rPr lang="en-US" smtClean="0"/>
-              <a:t>12/17/2016</a:t>
+              <a:t>22-Dec-16</a:t>
             </a:fld>
             <a:endParaRPr lang="en-US"/>
           </a:p>
@@ -5190,10 +5475,9 @@
               <a:defRPr/>
             </a:pPr>
             <a:r>
-              <a:rPr lang="en-US" smtClean="0"/>
+              <a:rPr lang="en-US"/>
               <a:t>Footer</a:t>
             </a:r>
-            <a:endParaRPr lang="en-US"/>
           </a:p>
         </p:txBody>
       </p:sp>
@@ -5284,7 +5568,7 @@
             </a:pPr>
             <a:fld id="{691D52B2-7DAA-4301-8384-48D754334A1B}" type="datetime1">
               <a:rPr lang="en-US" smtClean="0"/>
-              <a:t>12/17/2016</a:t>
+              <a:t>22-Dec-16</a:t>
             </a:fld>
             <a:endParaRPr lang="en-US"/>
           </a:p>
@@ -5313,10 +5597,9 @@
               <a:defRPr/>
             </a:pPr>
             <a:r>
-              <a:rPr lang="en-US" smtClean="0"/>
+              <a:rPr lang="en-US"/>
               <a:t>Footer</a:t>
             </a:r>
-            <a:endParaRPr lang="en-US"/>
           </a:p>
         </p:txBody>
       </p:sp>
@@ -5587,7 +5870,7 @@
             </a:pPr>
             <a:fld id="{4BD4100B-A179-41B5-B875-0F795B8823EE}" type="datetime1">
               <a:rPr lang="en-US" smtClean="0"/>
-              <a:t>12/17/2016</a:t>
+              <a:t>22-Dec-16</a:t>
             </a:fld>
             <a:endParaRPr lang="en-US"/>
           </a:p>
@@ -5616,10 +5899,9 @@
               <a:defRPr/>
             </a:pPr>
             <a:r>
-              <a:rPr lang="en-US" smtClean="0"/>
+              <a:rPr lang="en-US"/>
               <a:t>Footer</a:t>
             </a:r>
-            <a:endParaRPr lang="en-US"/>
           </a:p>
         </p:txBody>
       </p:sp>
@@ -5870,7 +6152,7 @@
             </a:pPr>
             <a:fld id="{AC749BD9-8881-4795-BB5E-8B90D2AC5DF0}" type="datetime1">
               <a:rPr lang="en-US" smtClean="0"/>
-              <a:t>12/17/2016</a:t>
+              <a:t>22-Dec-16</a:t>
             </a:fld>
             <a:endParaRPr lang="en-US"/>
           </a:p>
@@ -5899,10 +6181,9 @@
               <a:defRPr/>
             </a:pPr>
             <a:r>
-              <a:rPr lang="en-US" smtClean="0"/>
+              <a:rPr lang="en-US"/>
               <a:t>Footer</a:t>
             </a:r>
-            <a:endParaRPr lang="en-US"/>
           </a:p>
         </p:txBody>
       </p:sp>
@@ -6165,7 +6446,7 @@
             </a:pPr>
             <a:fld id="{5791B35F-279B-4668-B0F6-47CE617F187D}" type="datetime1">
               <a:rPr lang="en-US" smtClean="0"/>
-              <a:t>12/17/2016</a:t>
+              <a:t>22-Dec-16</a:t>
             </a:fld>
             <a:endParaRPr lang="en-US"/>
           </a:p>
@@ -6216,10 +6497,9 @@
               <a:defRPr/>
             </a:pPr>
             <a:r>
-              <a:rPr lang="en-US" smtClean="0"/>
+              <a:rPr lang="en-US"/>
               <a:t>Footer</a:t>
             </a:r>
-            <a:endParaRPr lang="en-US"/>
           </a:p>
         </p:txBody>
       </p:sp>
@@ -7171,13 +7451,6 @@
   <p:clrMapOvr>
     <a:masterClrMapping/>
   </p:clrMapOvr>
-  <p:timing>
-    <p:tnLst>
-      <p:par>
-        <p:cTn id="1" dur="indefinite" restart="never" nodeType="tmRoot"/>
-      </p:par>
-    </p:tnLst>
-  </p:timing>
 </p:sld>
 </file>
 
@@ -7983,7 +8256,7 @@
           <a:lstStyle/>
           <a:p>
             <a:r>
-              <a:rPr lang="en-US" smtClean="0"/>
+              <a:rPr lang="en-US"/>
               <a:t>Thực nghiệm - tiền xử lý ảnh</a:t>
             </a:r>
             <a:endParaRPr lang="en-US" dirty="0"/>
@@ -8044,10 +8317,9 @@
           <a:p>
             <a:pPr algn="ctr"/>
             <a:r>
-              <a:rPr lang="en-US" smtClean="0"/>
+              <a:rPr lang="en-US"/>
               <a:t>Dữ liệu đầu vào</a:t>
             </a:r>
-            <a:endParaRPr lang="en-US"/>
           </a:p>
         </p:txBody>
       </p:sp>
@@ -8079,11 +8351,7 @@
             </a:r>
             <a:r>
               <a:rPr lang="en-US"/>
-              <a:t>Total variation </a:t>
-            </a:r>
-            <a:r>
-              <a:rPr lang="en-US" smtClean="0"/>
-              <a:t>denoising</a:t>
+              <a:t>Total variation denoising</a:t>
             </a:r>
           </a:p>
           <a:p>
@@ -8091,16 +8359,12 @@
           </a:p>
           <a:p>
             <a:r>
-              <a:rPr lang="en-US" b="1" smtClean="0"/>
+              <a:rPr lang="en-US" b="1"/>
               <a:t>2. Tăng tính tương phản:</a:t>
             </a:r>
             <a:r>
-              <a:rPr lang="en-US" smtClean="0"/>
-              <a:t> </a:t>
-            </a:r>
-            <a:r>
               <a:rPr lang="en-US"/>
-              <a:t>Otsu</a:t>
+              <a:t> Otsu</a:t>
             </a:r>
             <a:endParaRPr lang="en-US" b="1"/>
           </a:p>
@@ -8145,13 +8409,6 @@
   <p:clrMapOvr>
     <a:masterClrMapping/>
   </p:clrMapOvr>
-  <p:timing>
-    <p:tnLst>
-      <p:par>
-        <p:cTn id="1" dur="indefinite" restart="never" nodeType="tmRoot"/>
-      </p:par>
-    </p:tnLst>
-  </p:timing>
 </p:sld>
 </file>
 
@@ -8188,7 +8445,7 @@
           <a:lstStyle/>
           <a:p>
             <a:r>
-              <a:rPr lang="en-US" smtClean="0"/>
+              <a:rPr lang="en-US"/>
               <a:t>Thực nghiệm - tiền xử lý ảnh</a:t>
             </a:r>
             <a:endParaRPr lang="en-US" dirty="0"/>
@@ -8219,10 +8476,9 @@
           <a:p>
             <a:pPr algn="ctr"/>
             <a:r>
-              <a:rPr lang="en-US" smtClean="0"/>
+              <a:rPr lang="en-US"/>
               <a:t>Tiền xử lý ảnh và vẽ hình chữ nhật quanh các đối tượng đã phát hiện được</a:t>
             </a:r>
-            <a:endParaRPr lang="en-US"/>
           </a:p>
         </p:txBody>
       </p:sp>
@@ -8310,10 +8566,9 @@
           <a:p>
             <a:pPr algn="ctr"/>
             <a:r>
-              <a:rPr lang="en-US" smtClean="0"/>
+              <a:rPr lang="en-US"/>
               <a:t>Chuyển đổi các đối tượng về màu xám với kích thước 20x20</a:t>
             </a:r>
-            <a:endParaRPr lang="en-US"/>
           </a:p>
         </p:txBody>
       </p:sp>
@@ -8356,13 +8611,6 @@
   <p:clrMapOvr>
     <a:masterClrMapping/>
   </p:clrMapOvr>
-  <p:timing>
-    <p:tnLst>
-      <p:par>
-        <p:cTn id="1" dur="indefinite" restart="never" nodeType="tmRoot"/>
-      </p:par>
-    </p:tnLst>
-  </p:timing>
 </p:sld>
 </file>
 
@@ -8399,14 +8647,14 @@
           <a:lstStyle/>
           <a:p>
             <a:r>
-              <a:rPr lang="en-US" smtClean="0"/>
+              <a:rPr lang="en-US"/>
               <a:t>Thực nghiệm  </a:t>
             </a:r>
             <a:br>
-              <a:rPr lang="en-US" smtClean="0"/>
+              <a:rPr lang="en-US"/>
             </a:br>
             <a:r>
-              <a:rPr lang="en-US" sz="2800" i="1" smtClean="0"/>
+              <a:rPr lang="en-US" sz="2800" i="1"/>
               <a:t>Nhận diện đối tượng là ký tự</a:t>
             </a:r>
             <a:endParaRPr lang="en-US" sz="2800" i="1" dirty="0"/>
@@ -8434,34 +8682,10 @@
           <a:lstStyle/>
           <a:p>
             <a:r>
-              <a:rPr lang="en-US" smtClean="0"/>
+              <a:rPr lang="en-US"/>
               <a:t>Tập dữ liệu huấn luyện</a:t>
             </a:r>
             <a:endParaRPr lang="en-US" dirty="0"/>
-          </a:p>
-          <a:p>
-            <a:pPr lvl="1"/>
-            <a:r>
-              <a:rPr lang="en-US" sz="2400" smtClean="0"/>
-              <a:t>50 000 </a:t>
-            </a:r>
-            <a:r>
-              <a:rPr lang="en-US" sz="2400"/>
-              <a:t>ảnh tập </a:t>
-            </a:r>
-            <a:r>
-              <a:rPr lang="en-US" sz="2400" b="1"/>
-              <a:t>74K Chars </a:t>
-            </a:r>
-            <a:r>
-              <a:rPr lang="en-US" sz="2400" b="1" smtClean="0"/>
-              <a:t>dataset</a:t>
-            </a:r>
-            <a:r>
-              <a:rPr lang="en-US" sz="2400" smtClean="0"/>
-              <a:t> chứa ký tự</a:t>
-            </a:r>
-            <a:endParaRPr lang="en-US" sz="2400" b="1" dirty="0"/>
           </a:p>
           <a:p>
             <a:pPr lvl="1"/>
@@ -8471,21 +8695,33 @@
             </a:r>
             <a:r>
               <a:rPr lang="en-US" sz="2400" b="1"/>
-              <a:t>CIFAR-10 dataset on </a:t>
-            </a:r>
-            <a:r>
-              <a:rPr lang="en-US" sz="2400" b="1" smtClean="0"/>
-              <a:t>Kaggle </a:t>
-            </a:r>
-            <a:r>
-              <a:rPr lang="en-US" sz="2400" smtClean="0"/>
+              <a:t>74K Chars dataset</a:t>
+            </a:r>
+            <a:r>
+              <a:rPr lang="en-US" sz="2400"/>
+              <a:t> chứa ký tự</a:t>
+            </a:r>
+            <a:endParaRPr lang="en-US" sz="2400" b="1" dirty="0"/>
+          </a:p>
+          <a:p>
+            <a:pPr lvl="1"/>
+            <a:r>
+              <a:rPr lang="en-US" sz="2400"/>
+              <a:t>50 000 ảnh tập </a:t>
+            </a:r>
+            <a:r>
+              <a:rPr lang="en-US" sz="2400" b="1"/>
+              <a:t>CIFAR-10 dataset on Kaggle </a:t>
+            </a:r>
+            <a:r>
+              <a:rPr lang="en-US" sz="2400"/>
               <a:t>không chứa ký tự</a:t>
             </a:r>
             <a:endParaRPr lang="en-US" sz="2400" dirty="0"/>
           </a:p>
           <a:p>
             <a:r>
-              <a:rPr lang="en-US" smtClean="0"/>
+              <a:rPr lang="en-US"/>
               <a:t>Phương pháp áp dụng</a:t>
             </a:r>
             <a:endParaRPr lang="en-US" dirty="0"/>
@@ -8493,7 +8729,7 @@
           <a:p>
             <a:pPr lvl="1"/>
             <a:r>
-              <a:rPr lang="en-US" sz="2400" smtClean="0"/>
+              <a:rPr lang="en-US" sz="2400"/>
               <a:t>HOG - rút trích đặc trưng ảnh</a:t>
             </a:r>
             <a:endParaRPr lang="en-US" sz="2400" dirty="0"/>
@@ -8502,17 +8738,13 @@
             <a:pPr lvl="1"/>
             <a:r>
               <a:rPr lang="en-US" sz="2400"/>
-              <a:t>SVM </a:t>
-            </a:r>
-            <a:r>
-              <a:rPr lang="en-US" sz="2400" smtClean="0"/>
-              <a:t>- phân loại các ảnh tập huấn luyện</a:t>
+              <a:t>SVM - phân loại các ảnh tập huấn luyện</a:t>
             </a:r>
           </a:p>
           <a:p>
             <a:pPr lvl="1"/>
             <a:r>
-              <a:rPr lang="en-US" sz="2400" smtClean="0"/>
+              <a:rPr lang="en-US" sz="2400"/>
               <a:t>Grid search cross validation - đánh giá và chọn tham số phù hợp cho HOG và SVM</a:t>
             </a:r>
             <a:endParaRPr lang="en-US" sz="2400" dirty="0"/>
@@ -8558,13 +8790,6 @@
   <p:clrMapOvr>
     <a:masterClrMapping/>
   </p:clrMapOvr>
-  <p:timing>
-    <p:tnLst>
-      <p:par>
-        <p:cTn id="1" dur="indefinite" restart="never" nodeType="tmRoot"/>
-      </p:par>
-    </p:tnLst>
-  </p:timing>
 </p:sld>
 </file>
 
@@ -8601,14 +8826,14 @@
           <a:lstStyle/>
           <a:p>
             <a:r>
-              <a:rPr lang="en-US" smtClean="0"/>
+              <a:rPr lang="en-US"/>
               <a:t>Thực nghiệm  </a:t>
             </a:r>
             <a:br>
-              <a:rPr lang="en-US" smtClean="0"/>
+              <a:rPr lang="en-US"/>
             </a:br>
             <a:r>
-              <a:rPr lang="en-US" sz="2800" i="1" smtClean="0"/>
+              <a:rPr lang="en-US" sz="2800" i="1"/>
               <a:t>Nhận diện đối tượng là ký tự</a:t>
             </a:r>
             <a:endParaRPr lang="en-US" sz="2800" i="1" dirty="0"/>
@@ -8636,7 +8861,7 @@
           <a:lstStyle/>
           <a:p>
             <a:r>
-              <a:rPr lang="en-US" smtClean="0"/>
+              <a:rPr lang="en-US"/>
               <a:t>Bộ tham số tốt nhất sau đánh giá </a:t>
             </a:r>
             <a:endParaRPr lang="en-US" dirty="0"/>
@@ -8644,7 +8869,7 @@
           <a:p>
             <a:pPr lvl="1"/>
             <a:r>
-              <a:rPr lang="en-US" sz="2400" smtClean="0"/>
+              <a:rPr lang="en-US" sz="2400"/>
               <a:t>SVM: C = 2</a:t>
             </a:r>
           </a:p>
@@ -8652,53 +8877,29 @@
             <a:pPr lvl="1"/>
             <a:r>
               <a:rPr lang="en-US" sz="2400"/>
-              <a:t>HOG: </a:t>
-            </a:r>
-            <a:r>
-              <a:rPr lang="en-US" sz="2400" smtClean="0"/>
-              <a:t>'cells_per_block</a:t>
-            </a:r>
+              <a:t>HOG: 'cells_per_block': (4, 4), 'orientations': 5, 'pixels_per_cell': (2, 2)</a:t>
+            </a:r>
+            <a:endParaRPr lang="en-US" sz="2400" dirty="0"/>
+          </a:p>
+          <a:p>
+            <a:r>
+              <a:rPr lang="en-US"/>
+              <a:t>Các kết quả đạt được</a:t>
+            </a:r>
+            <a:endParaRPr lang="en-US" dirty="0"/>
+          </a:p>
+          <a:p>
+            <a:pPr lvl="1"/>
             <a:r>
               <a:rPr lang="en-US" sz="2400"/>
-              <a:t>': (4, 4), </a:t>
-            </a:r>
-            <a:r>
-              <a:rPr lang="en-US" sz="2400" smtClean="0"/>
-              <a:t>'orientations</a:t>
-            </a:r>
+              <a:t>Kết quả đánh giá với bộ tham số trên với tập 100000 ảnh: ~ 97.73%</a:t>
+            </a:r>
+            <a:endParaRPr lang="en-US" sz="2400" dirty="0"/>
+          </a:p>
+          <a:p>
+            <a:pPr lvl="1"/>
             <a:r>
               <a:rPr lang="en-US" sz="2400"/>
-              <a:t>': 5, </a:t>
-            </a:r>
-            <a:r>
-              <a:rPr lang="en-US" sz="2400" smtClean="0"/>
-              <a:t>'pixels_per_cell</a:t>
-            </a:r>
-            <a:r>
-              <a:rPr lang="en-US" sz="2400"/>
-              <a:t>': (2, 2)</a:t>
-            </a:r>
-            <a:endParaRPr lang="en-US" sz="2400" dirty="0"/>
-          </a:p>
-          <a:p>
-            <a:r>
-              <a:rPr lang="en-US" smtClean="0"/>
-              <a:t>Các kết quả đạt được</a:t>
-            </a:r>
-            <a:endParaRPr lang="en-US" dirty="0"/>
-          </a:p>
-          <a:p>
-            <a:pPr lvl="1"/>
-            <a:r>
-              <a:rPr lang="en-US" sz="2400" smtClean="0"/>
-              <a:t>Kết quả đánh giá với bộ tham số trên với tập 100000 ảnh: ~ 97.73%</a:t>
-            </a:r>
-            <a:endParaRPr lang="en-US" sz="2400" dirty="0"/>
-          </a:p>
-          <a:p>
-            <a:pPr lvl="1"/>
-            <a:r>
-              <a:rPr lang="en-US" sz="2400" smtClean="0"/>
               <a:t>Khi dùng mô hình để đánh giá 10% bộ dữ liệu ngẫu nhiên: ~ 97.33%</a:t>
             </a:r>
             <a:endParaRPr lang="en-US" sz="2400" dirty="0"/>
@@ -8744,13 +8945,6 @@
   <p:clrMapOvr>
     <a:masterClrMapping/>
   </p:clrMapOvr>
-  <p:timing>
-    <p:tnLst>
-      <p:par>
-        <p:cTn id="1" dur="indefinite" restart="never" nodeType="tmRoot"/>
-      </p:par>
-    </p:tnLst>
-  </p:timing>
 </p:sld>
 </file>
 
@@ -8787,14 +8981,14 @@
           <a:lstStyle/>
           <a:p>
             <a:r>
-              <a:rPr lang="en-US" smtClean="0"/>
+              <a:rPr lang="en-US"/>
               <a:t>Thực nghiệm  </a:t>
             </a:r>
             <a:br>
-              <a:rPr lang="en-US" smtClean="0"/>
+              <a:rPr lang="en-US"/>
             </a:br>
             <a:r>
-              <a:rPr lang="en-US" sz="2800" i="1" smtClean="0"/>
+              <a:rPr lang="en-US" sz="2800" i="1"/>
               <a:t>Nhận diện đối tượng là ký tự</a:t>
             </a:r>
             <a:endParaRPr lang="en-US" sz="2800" i="1" dirty="0"/>
@@ -8855,10 +9049,9 @@
           <a:p>
             <a:pPr algn="ctr"/>
             <a:r>
-              <a:rPr lang="en-US" smtClean="0"/>
+              <a:rPr lang="en-US"/>
               <a:t>Confusion matrix</a:t>
             </a:r>
-            <a:endParaRPr lang="en-US"/>
           </a:p>
         </p:txBody>
       </p:sp>
@@ -8916,10 +9109,9 @@
           <a:p>
             <a:pPr algn="ctr"/>
             <a:r>
-              <a:rPr lang="en-US" smtClean="0"/>
+              <a:rPr lang="en-US"/>
               <a:t>Các đối tượng chứa ký tự nhận diện được</a:t>
             </a:r>
-            <a:endParaRPr lang="en-US"/>
           </a:p>
         </p:txBody>
       </p:sp>
@@ -8962,13 +9154,6 @@
   <p:clrMapOvr>
     <a:masterClrMapping/>
   </p:clrMapOvr>
-  <p:timing>
-    <p:tnLst>
-      <p:par>
-        <p:cTn id="1" dur="indefinite" restart="never" nodeType="tmRoot"/>
-      </p:par>
-    </p:tnLst>
-  </p:timing>
 </p:sld>
 </file>
 
@@ -9005,11 +9190,11 @@
           <a:lstStyle/>
           <a:p>
             <a:r>
-              <a:rPr lang="en-US" smtClean="0"/>
+              <a:rPr lang="en-US"/>
               <a:t>Thực nghiệm  </a:t>
             </a:r>
             <a:br>
-              <a:rPr lang="en-US" smtClean="0"/>
+              <a:rPr lang="en-US"/>
             </a:br>
             <a:r>
               <a:rPr lang="en-US" sz="2800" i="1"/>
@@ -9040,7 +9225,7 @@
           <a:lstStyle/>
           <a:p>
             <a:r>
-              <a:rPr lang="en-US" smtClean="0"/>
+              <a:rPr lang="en-US"/>
               <a:t>Tập dữ liệu huấn luyện</a:t>
             </a:r>
             <a:endParaRPr lang="en-US" dirty="0"/>
@@ -9049,42 +9234,26 @@
             <a:pPr lvl="1"/>
             <a:r>
               <a:rPr lang="en-US" sz="2400"/>
-              <a:t>78.903</a:t>
-            </a:r>
-            <a:r>
-              <a:rPr lang="en-US" sz="2400" smtClean="0"/>
-              <a:t> </a:t>
-            </a:r>
+              <a:t>78.903 ảnh tập </a:t>
+            </a:r>
+            <a:r>
+              <a:rPr lang="en-US" sz="2400" b="1"/>
+              <a:t>74K Chars dataset</a:t>
+            </a:r>
+            <a:endParaRPr lang="en-US" sz="2400" b="1" dirty="0"/>
+          </a:p>
+          <a:p>
+            <a:pPr lvl="1"/>
             <a:r>
               <a:rPr lang="en-US" sz="2400"/>
-              <a:t>ảnh tập </a:t>
-            </a:r>
-            <a:r>
-              <a:rPr lang="en-US" sz="2400" b="1"/>
-              <a:t>74K Chars </a:t>
-            </a:r>
-            <a:r>
-              <a:rPr lang="en-US" sz="2400" b="1" smtClean="0"/>
-              <a:t>dataset</a:t>
-            </a:r>
-            <a:endParaRPr lang="en-US" sz="2400" b="1" dirty="0"/>
-          </a:p>
-          <a:p>
-            <a:pPr lvl="1"/>
-            <a:r>
-              <a:rPr lang="en-US" sz="2400" smtClean="0"/>
               <a:t>Được phân làm 36 lớp: </a:t>
             </a:r>
           </a:p>
           <a:p>
             <a:pPr lvl="2"/>
             <a:r>
-              <a:rPr lang="vi-VN" sz="2000" smtClean="0"/>
-              <a:t>Số </a:t>
-            </a:r>
-            <a:r>
               <a:rPr lang="vi-VN" sz="2000"/>
-              <a:t>nguyên [0-9] : 10 lớp</a:t>
+              <a:t>Số nguyên [0-9] : 10 lớp</a:t>
             </a:r>
           </a:p>
           <a:p>
@@ -9093,23 +9262,19 @@
               <a:rPr lang="vi-VN" sz="2000"/>
               <a:t>Chữ thường của bảng chữ cái tiếng Anh [a-z]: 26 lớp</a:t>
             </a:r>
-            <a:endParaRPr lang="en-US" sz="2000" smtClean="0"/>
-          </a:p>
-          <a:p>
-            <a:r>
-              <a:rPr lang="en-US" smtClean="0"/>
-              <a:t>Phương </a:t>
-            </a:r>
-            <a:r>
-              <a:rPr lang="en-US" smtClean="0"/>
-              <a:t>pháp áp dụng</a:t>
+            <a:endParaRPr lang="en-US" sz="2000"/>
+          </a:p>
+          <a:p>
+            <a:r>
+              <a:rPr lang="en-US"/>
+              <a:t>Phương pháp áp dụng</a:t>
             </a:r>
             <a:endParaRPr lang="en-US" dirty="0"/>
           </a:p>
           <a:p>
             <a:pPr lvl="1"/>
             <a:r>
-              <a:rPr lang="en-US" sz="2400" smtClean="0"/>
+              <a:rPr lang="en-US" sz="2400"/>
               <a:t>HOG - rút trích đặc trưng ảnh</a:t>
             </a:r>
             <a:endParaRPr lang="en-US" sz="2400" dirty="0"/>
@@ -9118,17 +9283,13 @@
             <a:pPr lvl="1"/>
             <a:r>
               <a:rPr lang="en-US" sz="2400"/>
-              <a:t>SVM </a:t>
-            </a:r>
-            <a:r>
-              <a:rPr lang="en-US" sz="2400" smtClean="0"/>
-              <a:t>- phân loại các ảnh tập huấn luyện</a:t>
+              <a:t>SVM - phân loại các ảnh tập huấn luyện</a:t>
             </a:r>
           </a:p>
           <a:p>
             <a:pPr lvl="1"/>
             <a:r>
-              <a:rPr lang="en-US" sz="2400" smtClean="0"/>
+              <a:rPr lang="en-US" sz="2400"/>
               <a:t>Grid search cross validation - đánh giá và chọn tham số phù hợp cho HOG và SVM</a:t>
             </a:r>
             <a:endParaRPr lang="en-US" sz="2400" dirty="0"/>
@@ -9174,13 +9335,6 @@
   <p:clrMapOvr>
     <a:masterClrMapping/>
   </p:clrMapOvr>
-  <p:timing>
-    <p:tnLst>
-      <p:par>
-        <p:cTn id="1" dur="indefinite" restart="never" nodeType="tmRoot"/>
-      </p:par>
-    </p:tnLst>
-  </p:timing>
 </p:sld>
 </file>
 
@@ -9217,19 +9371,15 @@
           <a:lstStyle/>
           <a:p>
             <a:r>
-              <a:rPr lang="en-US" smtClean="0"/>
+              <a:rPr lang="en-US"/>
               <a:t>Thực nghiệm  </a:t>
             </a:r>
             <a:br>
-              <a:rPr lang="en-US" smtClean="0"/>
+              <a:rPr lang="en-US"/>
             </a:br>
             <a:r>
-              <a:rPr lang="en-US" sz="2800" i="1" smtClean="0"/>
-              <a:t>Nhận diện </a:t>
-            </a:r>
-            <a:r>
-              <a:rPr lang="en-US" sz="2800" i="1" smtClean="0"/>
-              <a:t>và gắn nhãn các ký tự</a:t>
+              <a:rPr lang="en-US" sz="2800" i="1"/>
+              <a:t>Nhận diện và gắn nhãn các ký tự</a:t>
             </a:r>
             <a:endParaRPr lang="en-US" sz="2800" i="1" dirty="0"/>
           </a:p>
@@ -9289,10 +9439,9 @@
           <a:p>
             <a:pPr algn="ctr"/>
             <a:r>
-              <a:rPr lang="en-US" smtClean="0"/>
+              <a:rPr lang="en-US"/>
               <a:t>Confusion matrix</a:t>
             </a:r>
-            <a:endParaRPr lang="en-US"/>
           </a:p>
         </p:txBody>
       </p:sp>
@@ -9320,14 +9469,9 @@
           <a:p>
             <a:pPr algn="ctr"/>
             <a:r>
-              <a:rPr lang="en-US" smtClean="0"/>
-              <a:t>Các đối tượng chứa ký tự </a:t>
-            </a:r>
-            <a:r>
-              <a:rPr lang="en-US" smtClean="0"/>
-              <a:t>đã gắn nhãn</a:t>
-            </a:r>
-            <a:endParaRPr lang="en-US"/>
+              <a:rPr lang="en-US"/>
+              <a:t>Các đối tượng chứa ký tự đã gắn nhãn</a:t>
+            </a:r>
           </a:p>
         </p:txBody>
       </p:sp>
@@ -9400,13 +9544,6 @@
   <p:clrMapOvr>
     <a:masterClrMapping/>
   </p:clrMapOvr>
-  <p:timing>
-    <p:tnLst>
-      <p:par>
-        <p:cTn id="1" dur="indefinite" restart="never" nodeType="tmRoot"/>
-      </p:par>
-    </p:tnLst>
-  </p:timing>
 </p:sld>
 </file>
 
@@ -9443,14 +9580,14 @@
           <a:lstStyle/>
           <a:p>
             <a:r>
-              <a:rPr lang="en-US" smtClean="0"/>
+              <a:rPr lang="en-US"/>
               <a:t>Thực nghiệm  </a:t>
             </a:r>
             <a:br>
-              <a:rPr lang="en-US" smtClean="0"/>
+              <a:rPr lang="en-US"/>
             </a:br>
             <a:r>
-              <a:rPr lang="en-US" sz="2800" i="1" smtClean="0"/>
+              <a:rPr lang="en-US" sz="2800" i="1"/>
               <a:t>Gắn các ký tự vào đúng vị trí trên ảnh</a:t>
             </a:r>
             <a:endParaRPr lang="en-US" sz="2800" i="1" dirty="0"/>
@@ -9556,13 +9693,6 @@
   <p:clrMapOvr>
     <a:masterClrMapping/>
   </p:clrMapOvr>
-  <p:timing>
-    <p:tnLst>
-      <p:par>
-        <p:cTn id="1" dur="indefinite" restart="never" nodeType="tmRoot"/>
-      </p:par>
-    </p:tnLst>
-  </p:timing>
 </p:sld>
 </file>
 
@@ -9599,7 +9729,7 @@
           <a:lstStyle/>
           <a:p>
             <a:r>
-              <a:rPr lang="en-US" smtClean="0"/>
+              <a:rPr lang="en-US"/>
               <a:t>Đánh giá</a:t>
             </a:r>
             <a:endParaRPr lang="en-US" dirty="0"/>
@@ -9656,7 +9786,7 @@
           <a:lstStyle/>
           <a:p>
             <a:r>
-              <a:rPr lang="en-US" smtClean="0"/>
+              <a:rPr lang="en-US"/>
               <a:t>Chưa thực sự chính xác</a:t>
             </a:r>
             <a:endParaRPr lang="en-US" dirty="0"/>
@@ -9664,7 +9794,7 @@
           <a:p>
             <a:pPr lvl="1"/>
             <a:r>
-              <a:rPr lang="en-US" sz="2400" smtClean="0"/>
+              <a:rPr lang="en-US" sz="2400"/>
               <a:t>Rất nhiều ký tự không nhận diện được</a:t>
             </a:r>
             <a:endParaRPr lang="en-US" sz="2400" b="1" dirty="0"/>
@@ -9672,14 +9802,14 @@
           <a:p>
             <a:pPr lvl="1"/>
             <a:r>
-              <a:rPr lang="en-US" sz="2400" smtClean="0"/>
+              <a:rPr lang="en-US" sz="2400"/>
               <a:t>Các ký tự bị nhận diện thành ký tự khác</a:t>
             </a:r>
           </a:p>
           <a:p>
             <a:pPr lvl="1"/>
             <a:r>
-              <a:rPr lang="en-US" sz="2400" smtClean="0"/>
+              <a:rPr lang="en-US" sz="2400"/>
               <a:t>Các đối tượng không phải ký tự được nhận diện thành ký tự</a:t>
             </a:r>
           </a:p>
@@ -9695,13 +9825,6 @@
   <p:clrMapOvr>
     <a:masterClrMapping/>
   </p:clrMapOvr>
-  <p:timing>
-    <p:tnLst>
-      <p:par>
-        <p:cTn id="1" dur="indefinite" restart="never" nodeType="tmRoot"/>
-      </p:par>
-    </p:tnLst>
-  </p:timing>
 </p:sld>
 </file>
 
@@ -11271,7 +11394,7 @@
           <a:lstStyle/>
           <a:p>
             <a:r>
-              <a:rPr lang="en-US" smtClean="0"/>
+              <a:rPr lang="en-US"/>
               <a:t>Kết luận</a:t>
             </a:r>
             <a:endParaRPr lang="en-US" dirty="0"/>
@@ -11328,7 +11451,7 @@
           <a:lstStyle/>
           <a:p>
             <a:r>
-              <a:rPr lang="en-US" smtClean="0"/>
+              <a:rPr lang="en-US"/>
               <a:t>Tóm tắt nghiên cứu</a:t>
             </a:r>
             <a:endParaRPr lang="en-US" dirty="0"/>
@@ -11336,73 +11459,65 @@
           <a:p>
             <a:pPr lvl="1"/>
             <a:r>
-              <a:rPr lang="en-US" sz="2400" smtClean="0"/>
+              <a:rPr lang="en-US" sz="2400"/>
               <a:t>Các thuật toán xử lý ảnh: </a:t>
             </a:r>
             <a:r>
               <a:rPr lang="en-US" sz="2400" b="1"/>
-              <a:t>Total Variant Denoising</a:t>
+              <a:t>Total Variant Denoising, Otsu</a:t>
+            </a:r>
+          </a:p>
+          <a:p>
+            <a:pPr lvl="1"/>
+            <a:r>
+              <a:rPr lang="en-US" sz="2400"/>
+              <a:t>Phương pháp rút trích đặc trưng: </a:t>
             </a:r>
             <a:r>
               <a:rPr lang="en-US" sz="2400" b="1"/>
-              <a:t>, </a:t>
-            </a:r>
-            <a:r>
-              <a:rPr lang="en-US" sz="2400" b="1" smtClean="0"/>
-              <a:t>Otsu</a:t>
+              <a:t>HOG</a:t>
             </a:r>
           </a:p>
           <a:p>
             <a:pPr lvl="1"/>
             <a:r>
-              <a:rPr lang="en-US" sz="2400" smtClean="0"/>
-              <a:t>Phương pháp rút trích đặc trưng: </a:t>
-            </a:r>
-            <a:r>
-              <a:rPr lang="en-US" sz="2400" b="1" smtClean="0"/>
-              <a:t>HOG</a:t>
+              <a:rPr lang="en-US" sz="2400"/>
+              <a:t>Phương pháp phân lớp: </a:t>
+            </a:r>
+            <a:r>
+              <a:rPr lang="en-US" sz="2400" b="1"/>
+              <a:t>SVM</a:t>
             </a:r>
           </a:p>
           <a:p>
             <a:pPr lvl="1"/>
             <a:r>
-              <a:rPr lang="en-US" sz="2400" smtClean="0"/>
-              <a:t>Phương pháp phân lớp: </a:t>
-            </a:r>
-            <a:r>
-              <a:rPr lang="en-US" sz="2400" b="1" smtClean="0"/>
-              <a:t>SVM</a:t>
-            </a:r>
+              <a:rPr lang="en-US" sz="2400"/>
+              <a:t>Phương pháp đánh giá mô hình: </a:t>
+            </a:r>
+            <a:r>
+              <a:rPr lang="en-US" sz="2400" b="1"/>
+              <a:t>GridSearchCV</a:t>
+            </a:r>
+            <a:endParaRPr lang="en-US"/>
           </a:p>
           <a:p>
             <a:pPr lvl="1"/>
             <a:r>
-              <a:rPr lang="en-US" sz="2400" smtClean="0"/>
-              <a:t>Phương pháp đánh giá mô hình: </a:t>
-            </a:r>
-            <a:r>
-              <a:rPr lang="en-US" sz="2400" b="1" smtClean="0"/>
-              <a:t>GridSearchCV</a:t>
-            </a:r>
-            <a:endParaRPr lang="en-US"/>
+              <a:rPr lang="en-US" sz="2400"/>
+              <a:t>Kết quả: chưa thực sự tốt, chỉ nhận diện được các ký tự phân biệt rõ ràng với nền</a:t>
+            </a:r>
           </a:p>
           <a:p>
             <a:pPr lvl="1"/>
             <a:r>
-              <a:rPr lang="en-US" sz="2400" smtClean="0"/>
-              <a:t>Kết quả: chưa thực sự tốt, chỉ nhận diện được các ký tự phân biệt rõ ràng với nền</a:t>
+              <a:rPr lang="en-US" sz="2400"/>
+              <a:t>Nguyên nhân: bộ dữ liệu huấn luyện và bộ tham số chưa được tốt</a:t>
             </a:r>
           </a:p>
           <a:p>
             <a:pPr lvl="1"/>
-            <a:r>
-              <a:rPr lang="en-US" sz="2400" smtClean="0"/>
-              <a:t>Nguyên nhân: bộ dữ liệu huấn luyện và bộ tham số chưa được tốt</a:t>
-            </a:r>
-          </a:p>
-          <a:p>
-            <a:pPr lvl="1"/>
-            <a:endParaRPr lang="en-US" sz="2400" smtClean="0"/>
+            <a:endParaRPr lang="en-US" sz="2400"/>
           </a:p>
         </p:txBody>
       </p:sp>
@@ -11416,13 +11531,6 @@
   <p:clrMapOvr>
     <a:masterClrMapping/>
   </p:clrMapOvr>
-  <p:timing>
-    <p:tnLst>
-      <p:par>
-        <p:cTn id="1" dur="indefinite" restart="never" nodeType="tmRoot"/>
-      </p:par>
-    </p:tnLst>
-  </p:timing>
 </p:sld>
 </file>
 
@@ -11459,7 +11567,7 @@
           <a:lstStyle/>
           <a:p>
             <a:r>
-              <a:rPr lang="en-US" smtClean="0"/>
+              <a:rPr lang="en-US"/>
               <a:t>Kết luận</a:t>
             </a:r>
             <a:endParaRPr lang="en-US" dirty="0"/>
@@ -11516,7 +11624,7 @@
           <a:lstStyle/>
           <a:p>
             <a:r>
-              <a:rPr lang="en-US" smtClean="0"/>
+              <a:rPr lang="en-US"/>
               <a:t>Cải tiến</a:t>
             </a:r>
             <a:endParaRPr lang="en-US" dirty="0"/>
@@ -11537,7 +11645,7 @@
           </a:p>
           <a:p>
             <a:pPr lvl="1"/>
-            <a:endParaRPr lang="en-US" sz="2400" smtClean="0"/>
+            <a:endParaRPr lang="en-US" sz="2400"/>
           </a:p>
         </p:txBody>
       </p:sp>
@@ -11551,17 +11659,188 @@
   <p:clrMapOvr>
     <a:masterClrMapping/>
   </p:clrMapOvr>
-  <p:timing>
-    <p:tnLst>
-      <p:par>
-        <p:cTn id="1" dur="indefinite" restart="never" nodeType="tmRoot"/>
-      </p:par>
-    </p:tnLst>
-  </p:timing>
 </p:sld>
 </file>
 
 <file path=ppt/slides/slide23.xml><?xml version="1.0" encoding="utf-8"?>
+<p:sld xmlns:a="http://schemas.openxmlformats.org/drawingml/2006/main" xmlns:r="http://schemas.openxmlformats.org/officeDocument/2006/relationships" xmlns:p="http://schemas.openxmlformats.org/presentationml/2006/main">
+  <p:cSld>
+    <p:spTree>
+      <p:nvGrpSpPr>
+        <p:cNvPr id="1" name=""/>
+        <p:cNvGrpSpPr/>
+        <p:nvPr/>
+      </p:nvGrpSpPr>
+      <p:grpSpPr>
+        <a:xfrm>
+          <a:off x="0" y="0"/>
+          <a:ext cx="0" cy="0"/>
+          <a:chOff x="0" y="0"/>
+          <a:chExt cx="0" cy="0"/>
+        </a:xfrm>
+      </p:grpSpPr>
+      <p:sp>
+        <p:nvSpPr>
+          <p:cNvPr id="2" name="Title 1"/>
+          <p:cNvSpPr>
+            <a:spLocks noGrp="1"/>
+          </p:cNvSpPr>
+          <p:nvPr>
+            <p:ph type="title"/>
+          </p:nvPr>
+        </p:nvSpPr>
+        <p:spPr/>
+        <p:txBody>
+          <a:bodyPr/>
+          <a:lstStyle/>
+          <a:p>
+            <a:r>
+              <a:rPr lang="en-US" dirty="0" err="1"/>
+              <a:t>Tài</a:t>
+            </a:r>
+            <a:r>
+              <a:rPr lang="en-US" dirty="0"/>
+              <a:t> </a:t>
+            </a:r>
+            <a:r>
+              <a:rPr lang="en-US" dirty="0" err="1"/>
+              <a:t>liệu</a:t>
+            </a:r>
+            <a:r>
+              <a:rPr lang="en-US" dirty="0"/>
+              <a:t> </a:t>
+            </a:r>
+            <a:r>
+              <a:rPr lang="en-US" dirty="0" err="1"/>
+              <a:t>tham</a:t>
+            </a:r>
+            <a:r>
+              <a:rPr lang="en-US" dirty="0"/>
+              <a:t> </a:t>
+            </a:r>
+            <a:r>
+              <a:rPr lang="en-US" dirty="0" err="1"/>
+              <a:t>khảo</a:t>
+            </a:r>
+            <a:endParaRPr lang="en-US" dirty="0"/>
+          </a:p>
+        </p:txBody>
+      </p:sp>
+      <p:sp>
+        <p:nvSpPr>
+          <p:cNvPr id="3" name="Content Placeholder 2"/>
+          <p:cNvSpPr>
+            <a:spLocks noGrp="1"/>
+          </p:cNvSpPr>
+          <p:nvPr>
+            <p:ph idx="1"/>
+          </p:nvPr>
+        </p:nvSpPr>
+        <p:spPr/>
+        <p:txBody>
+          <a:bodyPr/>
+          <a:lstStyle/>
+          <a:p>
+            <a:r>
+              <a:rPr lang="en-US" dirty="0"/>
+              <a:t>[1] </a:t>
+            </a:r>
+            <a:r>
+              <a:rPr lang="en-US" dirty="0">
+                <a:hlinkClick r:id="rId2"/>
+              </a:rPr>
+              <a:t>http://francescopochetti.com/text-recognition-natural-scenes/</a:t>
+            </a:r>
+            <a:endParaRPr lang="en-US" dirty="0"/>
+          </a:p>
+          <a:p>
+            <a:r>
+              <a:rPr lang="en-US" dirty="0"/>
+              <a:t>[2] </a:t>
+            </a:r>
+            <a:r>
+              <a:rPr lang="en-US" dirty="0">
+                <a:hlinkClick r:id="rId3"/>
+              </a:rPr>
+              <a:t>https://www.wikipedia.org/</a:t>
+            </a:r>
+            <a:endParaRPr lang="en-US" dirty="0"/>
+          </a:p>
+          <a:p>
+            <a:r>
+              <a:rPr lang="en-US" dirty="0"/>
+              <a:t>[3] “Text detection and recognition in natural images” </a:t>
+            </a:r>
+            <a:r>
+              <a:rPr lang="en-US" dirty="0" err="1"/>
+              <a:t>của</a:t>
+            </a:r>
+            <a:r>
+              <a:rPr lang="en-US" dirty="0"/>
+              <a:t> </a:t>
+            </a:r>
+            <a:r>
+              <a:rPr lang="en-US" dirty="0" err="1"/>
+              <a:t>Đại</a:t>
+            </a:r>
+            <a:r>
+              <a:rPr lang="en-US" dirty="0"/>
+              <a:t> </a:t>
+            </a:r>
+            <a:r>
+              <a:rPr lang="en-US" dirty="0" err="1"/>
+              <a:t>học</a:t>
+            </a:r>
+            <a:r>
+              <a:rPr lang="en-US" dirty="0"/>
+              <a:t> Stanford</a:t>
+            </a:r>
+          </a:p>
+        </p:txBody>
+      </p:sp>
+      <p:sp>
+        <p:nvSpPr>
+          <p:cNvPr id="4" name="Slide Number Placeholder 3"/>
+          <p:cNvSpPr>
+            <a:spLocks noGrp="1"/>
+          </p:cNvSpPr>
+          <p:nvPr>
+            <p:ph type="sldNum" sz="quarter" idx="12"/>
+          </p:nvPr>
+        </p:nvSpPr>
+        <p:spPr/>
+        <p:txBody>
+          <a:bodyPr/>
+          <a:lstStyle/>
+          <a:p>
+            <a:pPr>
+              <a:defRPr/>
+            </a:pPr>
+            <a:fld id="{850B4A4E-3FBF-4EAC-92D1-7E61CB7AEBCF}" type="slidenum">
+              <a:rPr lang="en-US" smtClean="0"/>
+              <a:pPr>
+                <a:defRPr/>
+              </a:pPr>
+              <a:t>23</a:t>
+            </a:fld>
+            <a:endParaRPr lang="en-US"/>
+          </a:p>
+        </p:txBody>
+      </p:sp>
+    </p:spTree>
+    <p:extLst>
+      <p:ext uri="{BB962C8B-B14F-4D97-AF65-F5344CB8AC3E}">
+        <p14:creationId xmlns:p14="http://schemas.microsoft.com/office/powerpoint/2010/main" val="2938152757"/>
+      </p:ext>
+    </p:extLst>
+  </p:cSld>
+  <p:clrMapOvr>
+    <a:masterClrMapping/>
+  </p:clrMapOvr>
+</p:sld>
+</file>
+
+<file path=ppt/slides/slide24.xml><?xml version="1.0" encoding="utf-8"?>
 <p:sld xmlns:a="http://schemas.openxmlformats.org/drawingml/2006/main" xmlns:r="http://schemas.openxmlformats.org/officeDocument/2006/relationships" xmlns:p="http://schemas.openxmlformats.org/presentationml/2006/main">
   <p:cSld>
     <p:spTree>
@@ -11601,7 +11880,7 @@
               <a:pPr>
                 <a:defRPr/>
               </a:pPr>
-              <a:t>23</a:t>
+              <a:t>24</a:t>
             </a:fld>
             <a:endParaRPr lang="en-US"/>
           </a:p>
@@ -11631,7 +11910,7 @@
               <a:buNone/>
             </a:pPr>
             <a:r>
-              <a:rPr lang="en-US" sz="4400" smtClean="0">
+              <a:rPr lang="en-US" sz="4400">
                 <a:solidFill>
                   <a:schemeClr val="accent1">
                     <a:lumMod val="75000"/>
@@ -11640,7 +11919,7 @@
               </a:rPr>
               <a:t>CẢM ƠN MỌI NGƯỜI ĐÃ LẮNG NGHE!</a:t>
             </a:r>
-            <a:endParaRPr lang="en-US" sz="3600" smtClean="0">
+            <a:endParaRPr lang="en-US" sz="3600">
               <a:solidFill>
                 <a:schemeClr val="accent1">
                   <a:lumMod val="75000"/>
@@ -11660,13 +11939,6 @@
   <p:clrMapOvr>
     <a:masterClrMapping/>
   </p:clrMapOvr>
-  <p:timing>
-    <p:tnLst>
-      <p:par>
-        <p:cTn id="1" dur="indefinite" restart="never" nodeType="tmRoot"/>
-      </p:par>
-    </p:tnLst>
-  </p:timing>
 </p:sld>
 </file>
 
@@ -11851,31 +12123,15 @@
           <a:p>
             <a:r>
               <a:rPr lang="en-US" dirty="0" err="1"/>
-              <a:t>Phục</a:t>
-            </a:r>
-            <a:r>
-              <a:rPr lang="en-US" dirty="0"/>
-              <a:t> </a:t>
-            </a:r>
-            <a:r>
-              <a:rPr lang="en-US" dirty="0" err="1"/>
-              <a:t>vụ</a:t>
-            </a:r>
-            <a:r>
-              <a:rPr lang="en-US" dirty="0"/>
-              <a:t> </a:t>
-            </a:r>
-            <a:r>
-              <a:rPr lang="en-US" dirty="0" err="1"/>
-              <a:t>việc</a:t>
-            </a:r>
-            <a:r>
-              <a:rPr lang="en-US" dirty="0"/>
-              <a:t> </a:t>
-            </a:r>
-            <a:r>
-              <a:rPr lang="en-US" dirty="0" err="1"/>
-              <a:t>dịch</a:t>
+              <a:t>Trích</a:t>
+            </a:r>
+            <a:r>
+              <a:rPr lang="en-US" dirty="0"/>
+              <a:t> </a:t>
+            </a:r>
+            <a:r>
+              <a:rPr lang="en-US" dirty="0" err="1"/>
+              <a:t>xuất</a:t>
             </a:r>
             <a:r>
               <a:rPr lang="en-US" dirty="0"/>
@@ -11963,13 +12219,6 @@
   <p:clrMapOvr>
     <a:masterClrMapping/>
   </p:clrMapOvr>
-  <p:timing>
-    <p:tnLst>
-      <p:par>
-        <p:cTn id="1" dur="indefinite" restart="never" nodeType="tmRoot"/>
-      </p:par>
-    </p:tnLst>
-  </p:timing>
 </p:sld>
 </file>
 
@@ -12947,7 +13196,39 @@
           <a:p>
             <a:r>
               <a:rPr lang="en-US" dirty="0" err="1"/>
-              <a:t>Lĩnh</a:t>
+              <a:t>Ảnh</a:t>
+            </a:r>
+            <a:r>
+              <a:rPr lang="en-US" dirty="0"/>
+              <a:t> </a:t>
+            </a:r>
+            <a:r>
+              <a:rPr lang="en-US" dirty="0" err="1"/>
+              <a:t>thiên</a:t>
+            </a:r>
+            <a:r>
+              <a:rPr lang="en-US" dirty="0"/>
+              <a:t> </a:t>
+            </a:r>
+            <a:r>
+              <a:rPr lang="en-US" dirty="0" err="1"/>
+              <a:t>nhiên</a:t>
+            </a:r>
+            <a:r>
+              <a:rPr lang="en-US" dirty="0"/>
+              <a:t> </a:t>
+            </a:r>
+            <a:r>
+              <a:rPr lang="en-US" dirty="0" err="1"/>
+              <a:t>trong</a:t>
+            </a:r>
+            <a:r>
+              <a:rPr lang="en-US" dirty="0"/>
+              <a:t> </a:t>
+            </a:r>
+            <a:r>
+              <a:rPr lang="en-US" dirty="0" err="1"/>
+              <a:t>lĩnh</a:t>
             </a:r>
             <a:r>
               <a:rPr lang="en-US" dirty="0"/>
@@ -13003,13 +13284,6 @@
   <p:clrMapOvr>
     <a:masterClrMapping/>
   </p:clrMapOvr>
-  <p:timing>
-    <p:tnLst>
-      <p:par>
-        <p:cTn id="1" dur="indefinite" restart="never" nodeType="tmRoot"/>
-      </p:par>
-    </p:tnLst>
-  </p:timing>
 </p:sld>
 </file>
 
@@ -13115,14 +13389,23 @@
           </a:p>
           <a:p>
             <a:r>
-              <a:rPr lang="en-US" smtClean="0"/>
-              <a:t>Tesseract </a:t>
-            </a:r>
-            <a:r>
-              <a:rPr lang="en-US" smtClean="0"/>
-              <a:t>OCR.</a:t>
-            </a:r>
-            <a:endParaRPr lang="en-US" dirty="0"/>
+              <a:rPr lang="en-US" dirty="0"/>
+              <a:t>Tesseract OCR -.</a:t>
+            </a:r>
+          </a:p>
+          <a:p>
+            <a:r>
+              <a:rPr lang="en-US" dirty="0"/>
+              <a:t>Viet OCR, </a:t>
+            </a:r>
+            <a:r>
+              <a:rPr lang="en-US" dirty="0" err="1"/>
+              <a:t>Gttext</a:t>
+            </a:r>
+            <a:r>
+              <a:rPr lang="en-US" dirty="0"/>
+              <a:t>.</a:t>
+            </a:r>
           </a:p>
         </p:txBody>
       </p:sp>
@@ -13165,13 +13448,6 @@
   <p:clrMapOvr>
     <a:masterClrMapping/>
   </p:clrMapOvr>
-  <p:timing>
-    <p:tnLst>
-      <p:par>
-        <p:cTn id="1" dur="indefinite" restart="never" nodeType="tmRoot"/>
-      </p:par>
-    </p:tnLst>
-  </p:timing>
 </p:sld>
 </file>
 
@@ -14206,11 +14482,7 @@
             </a:r>
             <a:r>
               <a:rPr lang="en-US"/>
-              <a:t> </a:t>
-            </a:r>
-            <a:r>
-              <a:rPr lang="en-US" smtClean="0"/>
-              <a:t>và gán nhãn các ký tự.</a:t>
+              <a:t> và gán nhãn các ký tự.</a:t>
             </a:r>
             <a:endParaRPr lang="en-US" dirty="0"/>
           </a:p>
@@ -14319,13 +14591,6 @@
   <p:clrMapOvr>
     <a:masterClrMapping/>
   </p:clrMapOvr>
-  <p:timing>
-    <p:tnLst>
-      <p:par>
-        <p:cTn id="1" dur="indefinite" restart="never" nodeType="tmRoot"/>
-      </p:par>
-    </p:tnLst>
-  </p:timing>
 </p:sld>
 </file>
 
@@ -14542,7 +14807,14 @@
             <a:pPr lvl="1"/>
             <a:r>
               <a:rPr lang="en-US" dirty="0"/>
-              <a:t>SVM (Support Vector Machines)</a:t>
+              <a:t>SVM (Support Vector Machines).</a:t>
+            </a:r>
+          </a:p>
+          <a:p>
+            <a:pPr lvl="1"/>
+            <a:r>
+              <a:rPr lang="en-US" dirty="0"/>
+              <a:t>Grid Search Cross Validation.</a:t>
             </a:r>
           </a:p>
         </p:txBody>
@@ -14586,13 +14858,6 @@
   <p:clrMapOvr>
     <a:masterClrMapping/>
   </p:clrMapOvr>
-  <p:timing>
-    <p:tnLst>
-      <p:par>
-        <p:cTn id="1" dur="indefinite" restart="never" nodeType="tmRoot"/>
-      </p:par>
-    </p:tnLst>
-  </p:timing>
 </p:sld>
 </file>
 
